--- a/2021-rmit-owasp-top-10/presentation.pptx
+++ b/2021-rmit-owasp-top-10/presentation.pptx
@@ -324,7 +324,7 @@
 <file path=ppt/revisionInfo.xml><?xml version="1.0" encoding="utf-8"?>
 <p1510:revInfo xmlns:a="http://schemas.openxmlformats.org/drawingml/2006/main" xmlns:r="http://schemas.openxmlformats.org/officeDocument/2006/relationships" xmlns:p1510="http://schemas.microsoft.com/office/powerpoint/2015/10/main">
   <p1510:revLst>
-    <p1510:client id="{03FFDED8-AD97-41A8-8A6B-9E63CAC5FEE1}" v="8" dt="2021-10-18T10:45:15.812"/>
+    <p1510:client id="{03FFDED8-AD97-41A8-8A6B-9E63CAC5FEE1}" v="13" dt="2021-10-18T10:48:07.989"/>
   </p1510:revLst>
 </p1510:revInfo>
 </file>
@@ -22908,10 +22908,10 @@
       </p:sp>
       <p:pic>
         <p:nvPicPr>
-          <p:cNvPr id="2" name="Picture 2" descr="Qr code&#10;&#10;Description automatically generated">
+          <p:cNvPr id="3" name="Picture 3" descr="Qr code&#10;&#10;Description automatically generated">
             <a:extLst>
               <a:ext uri="{FF2B5EF4-FFF2-40B4-BE49-F238E27FC236}">
-                <a16:creationId xmlns:a16="http://schemas.microsoft.com/office/drawing/2014/main" id="{44083641-0F48-410F-BD71-27F02CBC582F}"/>
+                <a16:creationId xmlns:a16="http://schemas.microsoft.com/office/drawing/2014/main" id="{599431BA-00B1-429D-B5E9-8B4DD31FE156}"/>
               </a:ext>
             </a:extLst>
           </p:cNvPr>
@@ -22928,8 +22928,8 @@
         </p:blipFill>
         <p:spPr>
           <a:xfrm>
-            <a:off x="3435146" y="1434895"/>
-            <a:ext cx="2273709" cy="2273709"/>
+            <a:off x="3545758" y="1324282"/>
+            <a:ext cx="2504153" cy="2504153"/>
           </a:xfrm>
           <a:prstGeom prst="rect">
             <a:avLst/>
